--- a/Template+Capstone+PPT.pptx
+++ b/Template+Capstone+PPT.pptx
@@ -18,6 +18,7 @@
     <p:sldId id="281" r:id="rId12"/>
     <p:sldId id="282" r:id="rId13"/>
     <p:sldId id="272" r:id="rId14"/>
+    <p:sldId id="284" r:id="rId15"/>
   </p:sldIdLst>
   <p:sldSz cx="12192000" cy="6858000"/>
   <p:notesSz cx="6858000" cy="9144000"/>
@@ -8577,7 +8578,7 @@
           <a:p>
             <a:fld id="{9A82BF8E-211B-9C43-825C-0671E50D7E39}" type="datetimeFigureOut">
               <a:rPr lang="en-US" smtClean="0"/>
-              <a:t>1/11/2023</a:t>
+              <a:t>1/12/2023</a:t>
             </a:fld>
             <a:endParaRPr lang="en-US"/>
           </a:p>
@@ -9432,7 +9433,7 @@
           <a:p>
             <a:fld id="{9A82BF8E-211B-9C43-825C-0671E50D7E39}" type="datetimeFigureOut">
               <a:rPr lang="en-US" smtClean="0"/>
-              <a:t>1/11/2023</a:t>
+              <a:t>1/12/2023</a:t>
             </a:fld>
             <a:endParaRPr lang="en-US"/>
           </a:p>
@@ -9721,7 +9722,7 @@
           <a:p>
             <a:fld id="{9A82BF8E-211B-9C43-825C-0671E50D7E39}" type="datetimeFigureOut">
               <a:rPr lang="en-US" smtClean="0"/>
-              <a:t>1/11/2023</a:t>
+              <a:t>1/12/2023</a:t>
             </a:fld>
             <a:endParaRPr lang="en-US"/>
           </a:p>
@@ -9921,7 +9922,7 @@
           <a:p>
             <a:fld id="{9A82BF8E-211B-9C43-825C-0671E50D7E39}" type="datetimeFigureOut">
               <a:rPr lang="en-US" smtClean="0"/>
-              <a:t>1/11/2023</a:t>
+              <a:t>1/12/2023</a:t>
             </a:fld>
             <a:endParaRPr lang="en-US"/>
           </a:p>
@@ -10131,7 +10132,7 @@
           <a:p>
             <a:fld id="{9A82BF8E-211B-9C43-825C-0671E50D7E39}" type="datetimeFigureOut">
               <a:rPr lang="en-US" smtClean="0"/>
-              <a:t>1/11/2023</a:t>
+              <a:t>1/12/2023</a:t>
             </a:fld>
             <a:endParaRPr lang="en-US"/>
           </a:p>
@@ -10331,7 +10332,7 @@
           <a:p>
             <a:fld id="{9A82BF8E-211B-9C43-825C-0671E50D7E39}" type="datetimeFigureOut">
               <a:rPr lang="en-US" smtClean="0"/>
-              <a:t>1/11/2023</a:t>
+              <a:t>1/12/2023</a:t>
             </a:fld>
             <a:endParaRPr lang="en-US"/>
           </a:p>
@@ -10607,7 +10608,7 @@
           <a:p>
             <a:fld id="{9A82BF8E-211B-9C43-825C-0671E50D7E39}" type="datetimeFigureOut">
               <a:rPr lang="en-US" smtClean="0"/>
-              <a:t>1/11/2023</a:t>
+              <a:t>1/12/2023</a:t>
             </a:fld>
             <a:endParaRPr lang="en-US"/>
           </a:p>
@@ -10875,7 +10876,7 @@
           <a:p>
             <a:fld id="{9A82BF8E-211B-9C43-825C-0671E50D7E39}" type="datetimeFigureOut">
               <a:rPr lang="en-US" smtClean="0"/>
-              <a:t>1/11/2023</a:t>
+              <a:t>1/12/2023</a:t>
             </a:fld>
             <a:endParaRPr lang="en-US"/>
           </a:p>
@@ -11290,7 +11291,7 @@
           <a:p>
             <a:fld id="{9A82BF8E-211B-9C43-825C-0671E50D7E39}" type="datetimeFigureOut">
               <a:rPr lang="en-US" smtClean="0"/>
-              <a:t>1/11/2023</a:t>
+              <a:t>1/12/2023</a:t>
             </a:fld>
             <a:endParaRPr lang="en-US"/>
           </a:p>
@@ -11432,7 +11433,7 @@
           <a:p>
             <a:fld id="{9A82BF8E-211B-9C43-825C-0671E50D7E39}" type="datetimeFigureOut">
               <a:rPr lang="en-US" smtClean="0"/>
-              <a:t>1/11/2023</a:t>
+              <a:t>1/12/2023</a:t>
             </a:fld>
             <a:endParaRPr lang="en-US"/>
           </a:p>
@@ -11943,7 +11944,7 @@
           <a:p>
             <a:fld id="{9A82BF8E-211B-9C43-825C-0671E50D7E39}" type="datetimeFigureOut">
               <a:rPr lang="en-US" smtClean="0"/>
-              <a:t>1/11/2023</a:t>
+              <a:t>1/12/2023</a:t>
             </a:fld>
             <a:endParaRPr lang="en-US"/>
           </a:p>
@@ -13387,7 +13388,7 @@
         <p:spPr>
           <a:xfrm>
             <a:off x="276462" y="1773986"/>
-            <a:ext cx="10696338" cy="2862322"/>
+            <a:ext cx="10696338" cy="7294305"/>
           </a:xfrm>
           <a:prstGeom prst="rect">
             <a:avLst/>
@@ -13404,79 +13405,172 @@
               <a:rPr lang="en-IN" dirty="0">
                 <a:latin typeface="Trebuchet MS" panose="020B0603020202020204" pitchFamily="34" charset="0"/>
               </a:rPr>
-              <a:t>As we have tried various model optimization technique like </a:t>
-            </a:r>
-          </a:p>
-          <a:p>
-            <a:pPr marL="514350" indent="-514350">
-              <a:buAutoNum type="arabicPeriod"/>
-            </a:pPr>
+              <a:t>So as our objective is to improve the business of tourism by providing advisement on user page particular to each customer digitally</a:t>
+            </a:r>
+          </a:p>
+          <a:p>
+            <a:endParaRPr lang="en-IN" dirty="0">
+              <a:latin typeface="Trebuchet MS" panose="020B0603020202020204" pitchFamily="34" charset="0"/>
+            </a:endParaRPr>
+          </a:p>
+          <a:p>
             <a:r>
               <a:rPr lang="en-IN" dirty="0">
                 <a:latin typeface="Trebuchet MS" panose="020B0603020202020204" pitchFamily="34" charset="0"/>
               </a:rPr>
-              <a:t>RFE- Recursive feature elimination</a:t>
-            </a:r>
-          </a:p>
-          <a:p>
-            <a:pPr marL="514350" indent="-514350">
+              <a:t>Here are few recommendation where business needs to focus one  based on historical data that we have analysed</a:t>
+            </a:r>
+          </a:p>
+          <a:p>
+            <a:endParaRPr lang="en-IN" dirty="0">
+              <a:latin typeface="Trebuchet MS" panose="020B0603020202020204" pitchFamily="34" charset="0"/>
+            </a:endParaRPr>
+          </a:p>
+          <a:p>
+            <a:pPr marL="342900" indent="-342900">
               <a:buAutoNum type="arabicPeriod"/>
             </a:pPr>
             <a:r>
               <a:rPr lang="en-IN" dirty="0">
                 <a:latin typeface="Trebuchet MS" panose="020B0603020202020204" pitchFamily="34" charset="0"/>
               </a:rPr>
-              <a:t>FS – forwards selection</a:t>
-            </a:r>
-          </a:p>
-          <a:p>
-            <a:pPr marL="514350" indent="-514350">
-              <a:buAutoNum type="arabicPeriod"/>
-            </a:pPr>
+              <a:t>Monthly </a:t>
+            </a:r>
+            <a:r>
+              <a:rPr lang="en-IN" dirty="0" err="1">
+                <a:latin typeface="Trebuchet MS" panose="020B0603020202020204" pitchFamily="34" charset="0"/>
+              </a:rPr>
+              <a:t>avg</a:t>
+            </a:r>
             <a:r>
               <a:rPr lang="en-IN" dirty="0">
                 <a:latin typeface="Trebuchet MS" panose="020B0603020202020204" pitchFamily="34" charset="0"/>
               </a:rPr>
-              <a:t>BE – Backward elimination</a:t>
-            </a:r>
-          </a:p>
-          <a:p>
+              <a:t> view on travel page std deviation is much around 66 that means users are not consistently view and coming to travel page that so business needs to focus on how they will improve the user view by monitoring the retention rate also with the same data</a:t>
+            </a:r>
+          </a:p>
+          <a:p>
+            <a:pPr marL="342900" indent="-342900">
+              <a:buAutoNum type="arabicPeriod"/>
+            </a:pPr>
             <a:endParaRPr lang="en-IN" dirty="0">
               <a:latin typeface="Trebuchet MS" panose="020B0603020202020204" pitchFamily="34" charset="0"/>
             </a:endParaRPr>
           </a:p>
           <a:p>
+            <a:pPr marL="342900" indent="-342900">
+              <a:buAutoNum type="arabicPeriod"/>
+            </a:pPr>
             <a:r>
               <a:rPr lang="en-IN" dirty="0">
                 <a:latin typeface="Trebuchet MS" panose="020B0603020202020204" pitchFamily="34" charset="0"/>
               </a:rPr>
-              <a:t>There are many other things as well that can we further try up like  cross validation to further </a:t>
+              <a:t> same is the case with monthly </a:t>
             </a:r>
             <a:r>
               <a:rPr lang="en-IN" dirty="0" err="1">
                 <a:latin typeface="Trebuchet MS" panose="020B0603020202020204" pitchFamily="34" charset="0"/>
               </a:rPr>
-              <a:t>tuin</a:t>
+              <a:t>avg</a:t>
             </a:r>
             <a:r>
               <a:rPr lang="en-IN" dirty="0">
                 <a:latin typeface="Trebuchet MS" panose="020B0603020202020204" pitchFamily="34" charset="0"/>
               </a:rPr>
-              <a:t> up the model.</a:t>
-            </a:r>
-          </a:p>
-          <a:p>
+              <a:t> comments where deviation is around 51again user not  consistently commenting on company page that means business has to create some logic so that they can increase the user activity like commenting which can helps business to understand what user are liking and what user is not liking by using that comments in sentiment analysis</a:t>
+            </a:r>
+          </a:p>
+          <a:p>
+            <a:pPr marL="342900" indent="-342900">
+              <a:buAutoNum type="arabicPeriod"/>
+            </a:pPr>
             <a:endParaRPr lang="en-IN" dirty="0">
               <a:latin typeface="Trebuchet MS" panose="020B0603020202020204" pitchFamily="34" charset="0"/>
             </a:endParaRPr>
           </a:p>
           <a:p>
+            <a:pPr marL="342900" indent="-342900">
+              <a:buAutoNum type="arabicPeriod" startAt="3"/>
+            </a:pPr>
+            <a:r>
+              <a:rPr lang="en-IN" sz="1800" dirty="0">
+                <a:solidFill>
+                  <a:srgbClr val="6D6868"/>
+                </a:solidFill>
+                <a:latin typeface="Arial" panose="020B0604020202020204" pitchFamily="34" charset="0"/>
+                <a:cs typeface="Arial" panose="020B0604020202020204" pitchFamily="34" charset="0"/>
+              </a:rPr>
+              <a:t>Out of all 10652 user most of them are not following the company page as well as they are not working flag that means again business need to take a call how they increase the user activity and so that they taken the product</a:t>
+            </a:r>
+          </a:p>
+          <a:p>
+            <a:pPr marL="342900" indent="-342900">
+              <a:buAutoNum type="arabicPeriod" startAt="3"/>
+            </a:pPr>
             <a:r>
               <a:rPr lang="en-IN" dirty="0">
-                <a:latin typeface="Trebuchet MS" panose="020B0603020202020204" pitchFamily="34" charset="0"/>
+                <a:solidFill>
+                  <a:srgbClr val="6D6868"/>
+                </a:solidFill>
+                <a:latin typeface="Arial" panose="020B0604020202020204" pitchFamily="34" charset="0"/>
+                <a:cs typeface="Arial" panose="020B0604020202020204" pitchFamily="34" charset="0"/>
               </a:rPr>
-              <a:t>But we almost got the best model with bagging technique of Random Forest with ROC AUC Score of 0.99</a:t>
-            </a:r>
+              <a:t>Another thing that we have observed in historical data is that user are giving average rating on scale of 1-4 around 2.7 that means after user taking the product they are not satisfy with the product and that may be the cause the business is not able to retain their customers and customer are churning out</a:t>
+            </a:r>
+          </a:p>
+          <a:p>
+            <a:r>
+              <a:rPr lang="en-IN" sz="1800" dirty="0">
+                <a:solidFill>
+                  <a:srgbClr val="6D6868"/>
+                </a:solidFill>
+                <a:latin typeface="Arial" panose="020B0604020202020204" pitchFamily="34" charset="0"/>
+                <a:cs typeface="Arial" panose="020B0604020202020204" pitchFamily="34" charset="0"/>
+              </a:rPr>
+              <a:t>So overall we can conclude that business needs to enhance their user activity and also improve the product taken so that they can increase the retention rate of user which help them to improve the tourism business and more people </a:t>
+            </a:r>
+            <a:r>
+              <a:rPr lang="en-IN" dirty="0">
+                <a:solidFill>
+                  <a:srgbClr val="6D6868"/>
+                </a:solidFill>
+                <a:latin typeface="Arial" panose="020B0604020202020204" pitchFamily="34" charset="0"/>
+                <a:cs typeface="Arial" panose="020B0604020202020204" pitchFamily="34" charset="0"/>
+              </a:rPr>
+              <a:t>start </a:t>
+            </a:r>
+            <a:r>
+              <a:rPr lang="en-IN" dirty="0" err="1">
+                <a:solidFill>
+                  <a:srgbClr val="6D6868"/>
+                </a:solidFill>
+                <a:latin typeface="Arial" panose="020B0604020202020204" pitchFamily="34" charset="0"/>
+                <a:cs typeface="Arial" panose="020B0604020202020204" pitchFamily="34" charset="0"/>
+              </a:rPr>
+              <a:t>takinng</a:t>
+            </a:r>
+            <a:r>
+              <a:rPr lang="en-IN" dirty="0">
+                <a:solidFill>
+                  <a:srgbClr val="6D6868"/>
+                </a:solidFill>
+                <a:latin typeface="Arial" panose="020B0604020202020204" pitchFamily="34" charset="0"/>
+                <a:cs typeface="Arial" panose="020B0604020202020204" pitchFamily="34" charset="0"/>
+              </a:rPr>
+              <a:t> their product</a:t>
+            </a:r>
+            <a:endParaRPr lang="en-IN" sz="1800" dirty="0">
+              <a:solidFill>
+                <a:srgbClr val="6D6868"/>
+              </a:solidFill>
+              <a:latin typeface="Arial" panose="020B0604020202020204" pitchFamily="34" charset="0"/>
+              <a:cs typeface="Arial" panose="020B0604020202020204" pitchFamily="34" charset="0"/>
+            </a:endParaRPr>
+          </a:p>
+          <a:p>
+            <a:endParaRPr lang="en-IN" dirty="0">
+              <a:latin typeface="Trebuchet MS" panose="020B0603020202020204" pitchFamily="34" charset="0"/>
+            </a:endParaRPr>
           </a:p>
         </p:txBody>
       </p:sp>
@@ -13484,6 +13578,174 @@
     <p:extLst>
       <p:ext uri="{BB962C8B-B14F-4D97-AF65-F5344CB8AC3E}">
         <p14:creationId xmlns:p14="http://schemas.microsoft.com/office/powerpoint/2010/main" val="2023734151"/>
+      </p:ext>
+    </p:extLst>
+  </p:cSld>
+  <p:clrMapOvr>
+    <a:masterClrMapping/>
+  </p:clrMapOvr>
+</p:sld>
+</file>
+
+<file path=ppt/slides/slide14.xml><?xml version="1.0" encoding="utf-8"?>
+<p:sld xmlns:a="http://schemas.openxmlformats.org/drawingml/2006/main" xmlns:r="http://schemas.openxmlformats.org/officeDocument/2006/relationships" xmlns:p="http://schemas.openxmlformats.org/presentationml/2006/main">
+  <p:cSld>
+    <p:spTree>
+      <p:nvGrpSpPr>
+        <p:cNvPr id="1" name=""/>
+        <p:cNvGrpSpPr/>
+        <p:nvPr/>
+      </p:nvGrpSpPr>
+      <p:grpSpPr>
+        <a:xfrm>
+          <a:off x="0" y="0"/>
+          <a:ext cx="0" cy="0"/>
+          <a:chOff x="0" y="0"/>
+          <a:chExt cx="0" cy="0"/>
+        </a:xfrm>
+      </p:grpSpPr>
+      <p:sp>
+        <p:nvSpPr>
+          <p:cNvPr id="6" name="Rectangle 5">
+            <a:extLst>
+              <a:ext uri="{FF2B5EF4-FFF2-40B4-BE49-F238E27FC236}">
+                <a16:creationId xmlns:a16="http://schemas.microsoft.com/office/drawing/2014/main" id="{3902C64F-B802-E343-B318-70D330A9A3FE}"/>
+              </a:ext>
+            </a:extLst>
+          </p:cNvPr>
+          <p:cNvSpPr/>
+          <p:nvPr/>
+        </p:nvSpPr>
+        <p:spPr>
+          <a:xfrm>
+            <a:off x="3408571" y="917294"/>
+            <a:ext cx="5374857" cy="707886"/>
+          </a:xfrm>
+          <a:prstGeom prst="rect">
+            <a:avLst/>
+          </a:prstGeom>
+        </p:spPr>
+        <p:txBody>
+          <a:bodyPr wrap="square" anchor="t">
+            <a:spAutoFit/>
+          </a:bodyPr>
+          <a:lstStyle/>
+          <a:p>
+            <a:r>
+              <a:rPr lang="en-US" sz="4000" b="1" dirty="0">
+                <a:solidFill>
+                  <a:srgbClr val="0070C0"/>
+                </a:solidFill>
+                <a:latin typeface="Arial" panose="020B0604020202020204" pitchFamily="34" charset="0"/>
+                <a:cs typeface="Arial" panose="020B0604020202020204" pitchFamily="34" charset="0"/>
+              </a:rPr>
+              <a:t>Recommendations</a:t>
+            </a:r>
+          </a:p>
+        </p:txBody>
+      </p:sp>
+      <p:sp>
+        <p:nvSpPr>
+          <p:cNvPr id="7" name="TextBox 6">
+            <a:extLst>
+              <a:ext uri="{FF2B5EF4-FFF2-40B4-BE49-F238E27FC236}">
+                <a16:creationId xmlns:a16="http://schemas.microsoft.com/office/drawing/2014/main" id="{A84B8933-F44C-374A-B677-D79AD8184284}"/>
+              </a:ext>
+            </a:extLst>
+          </p:cNvPr>
+          <p:cNvSpPr txBox="1"/>
+          <p:nvPr/>
+        </p:nvSpPr>
+        <p:spPr>
+          <a:xfrm>
+            <a:off x="276462" y="1773986"/>
+            <a:ext cx="10696338" cy="3970318"/>
+          </a:xfrm>
+          <a:prstGeom prst="rect">
+            <a:avLst/>
+          </a:prstGeom>
+          <a:noFill/>
+        </p:spPr>
+        <p:txBody>
+          <a:bodyPr wrap="square" rtlCol="0">
+            <a:spAutoFit/>
+          </a:bodyPr>
+          <a:lstStyle/>
+          <a:p>
+            <a:r>
+              <a:rPr lang="en-IN" dirty="0">
+                <a:latin typeface="Trebuchet MS" panose="020B0603020202020204" pitchFamily="34" charset="0"/>
+              </a:rPr>
+              <a:t>So as our objective is to improve the business of tourism by providing advisement on user page particular to each customer digitally</a:t>
+            </a:r>
+          </a:p>
+          <a:p>
+            <a:endParaRPr lang="en-IN" dirty="0">
+              <a:latin typeface="Trebuchet MS" panose="020B0603020202020204" pitchFamily="34" charset="0"/>
+            </a:endParaRPr>
+          </a:p>
+          <a:p>
+            <a:pPr marL="342900" indent="-342900">
+              <a:buAutoNum type="arabicPeriod" startAt="3"/>
+            </a:pPr>
+            <a:r>
+              <a:rPr lang="en-IN" sz="1800" dirty="0">
+                <a:latin typeface="Arial" panose="020B0604020202020204" pitchFamily="34" charset="0"/>
+                <a:cs typeface="Arial" panose="020B0604020202020204" pitchFamily="34" charset="0"/>
+              </a:rPr>
+              <a:t>Out of all 10652 user most of them are not following the company page as well as they are not working flag that means again business need to take a call how they increase the user activity and so that they taken the product</a:t>
+            </a:r>
+          </a:p>
+          <a:p>
+            <a:pPr marL="342900" indent="-342900">
+              <a:buAutoNum type="arabicPeriod" startAt="3"/>
+            </a:pPr>
+            <a:r>
+              <a:rPr lang="en-IN" dirty="0">
+                <a:latin typeface="Arial" panose="020B0604020202020204" pitchFamily="34" charset="0"/>
+                <a:cs typeface="Arial" panose="020B0604020202020204" pitchFamily="34" charset="0"/>
+              </a:rPr>
+              <a:t>Another thing that we have observed in historical data is that user are giving average rating on scale of 1-4 around 2.7 that means after user taking the product they are not satisfy with the product and that may be the cause the business is not able to retain their customers and customer are churning out</a:t>
+            </a:r>
+          </a:p>
+          <a:p>
+            <a:r>
+              <a:rPr lang="en-IN" sz="1800" dirty="0">
+                <a:latin typeface="Arial" panose="020B0604020202020204" pitchFamily="34" charset="0"/>
+                <a:cs typeface="Arial" panose="020B0604020202020204" pitchFamily="34" charset="0"/>
+              </a:rPr>
+              <a:t>So overall we can conclude that business needs to enhance their user activity and also improve the product taken so that they can increase the retention rate of user which help them to improve the tourism business and more people </a:t>
+            </a:r>
+            <a:r>
+              <a:rPr lang="en-IN">
+                <a:latin typeface="Arial" panose="020B0604020202020204" pitchFamily="34" charset="0"/>
+                <a:cs typeface="Arial" panose="020B0604020202020204" pitchFamily="34" charset="0"/>
+              </a:rPr>
+              <a:t>start taking </a:t>
+            </a:r>
+            <a:r>
+              <a:rPr lang="en-IN" dirty="0">
+                <a:latin typeface="Arial" panose="020B0604020202020204" pitchFamily="34" charset="0"/>
+                <a:cs typeface="Arial" panose="020B0604020202020204" pitchFamily="34" charset="0"/>
+              </a:rPr>
+              <a:t>their product</a:t>
+            </a:r>
+            <a:endParaRPr lang="en-IN" sz="1800" dirty="0">
+              <a:latin typeface="Arial" panose="020B0604020202020204" pitchFamily="34" charset="0"/>
+              <a:cs typeface="Arial" panose="020B0604020202020204" pitchFamily="34" charset="0"/>
+            </a:endParaRPr>
+          </a:p>
+          <a:p>
+            <a:endParaRPr lang="en-IN" dirty="0">
+              <a:latin typeface="Trebuchet MS" panose="020B0603020202020204" pitchFamily="34" charset="0"/>
+            </a:endParaRPr>
+          </a:p>
+        </p:txBody>
+      </p:sp>
+    </p:spTree>
+    <p:extLst>
+      <p:ext uri="{BB962C8B-B14F-4D97-AF65-F5344CB8AC3E}">
+        <p14:creationId xmlns:p14="http://schemas.microsoft.com/office/powerpoint/2010/main" val="448362160"/>
       </p:ext>
     </p:extLst>
   </p:cSld>
